--- a/Presentazione_Laboratorio_Integrato.pptx
+++ b/Presentazione_Laboratorio_Integrato.pptx
@@ -241,7 +241,7 @@
           <a:p>
             <a:fld id="{FDCB3967-BF47-4AD8-91EA-A77A4329DAA7}" type="datetimeFigureOut">
               <a:rPr lang="it-IT" smtClean="0"/>
-              <a:t>19/01/2025</a:t>
+              <a:t>20/01/2025</a:t>
             </a:fld>
             <a:endParaRPr lang="it-IT"/>
           </a:p>
@@ -399,7 +399,7 @@
           <a:p>
             <a:fld id="{4E89FC4C-2A12-455C-9D15-2DCAA64A5D08}" type="slidenum">
               <a:rPr lang="it-IT" smtClean="0"/>
-              <a:t>‹N›</a:t>
+              <a:t>‹#›</a:t>
             </a:fld>
             <a:endParaRPr lang="it-IT"/>
           </a:p>
@@ -2467,7 +2467,7 @@
           <a:p>
             <a:fld id="{239BBE1B-E725-44C9-870C-303AD0F23965}" type="datetimeFigureOut">
               <a:rPr lang="it-IT" smtClean="0"/>
-              <a:t>19/01/2025</a:t>
+              <a:t>20/01/2025</a:t>
             </a:fld>
             <a:endParaRPr lang="it-IT"/>
           </a:p>
@@ -2521,7 +2521,7 @@
           <a:p>
             <a:fld id="{C6BF5060-FBC1-48D8-893D-910180AD91AC}" type="slidenum">
               <a:rPr lang="it-IT" smtClean="0"/>
-              <a:t>‹N›</a:t>
+              <a:t>‹#›</a:t>
             </a:fld>
             <a:endParaRPr lang="it-IT"/>
           </a:p>
@@ -2665,7 +2665,7 @@
           <a:p>
             <a:fld id="{239BBE1B-E725-44C9-870C-303AD0F23965}" type="datetimeFigureOut">
               <a:rPr lang="it-IT" smtClean="0"/>
-              <a:t>19/01/2025</a:t>
+              <a:t>20/01/2025</a:t>
             </a:fld>
             <a:endParaRPr lang="it-IT"/>
           </a:p>
@@ -2719,7 +2719,7 @@
           <a:p>
             <a:fld id="{C6BF5060-FBC1-48D8-893D-910180AD91AC}" type="slidenum">
               <a:rPr lang="it-IT" smtClean="0"/>
-              <a:t>‹N›</a:t>
+              <a:t>‹#›</a:t>
             </a:fld>
             <a:endParaRPr lang="it-IT"/>
           </a:p>
@@ -2873,7 +2873,7 @@
           <a:p>
             <a:fld id="{239BBE1B-E725-44C9-870C-303AD0F23965}" type="datetimeFigureOut">
               <a:rPr lang="it-IT" smtClean="0"/>
-              <a:t>19/01/2025</a:t>
+              <a:t>20/01/2025</a:t>
             </a:fld>
             <a:endParaRPr lang="it-IT"/>
           </a:p>
@@ -2927,7 +2927,7 @@
           <a:p>
             <a:fld id="{C6BF5060-FBC1-48D8-893D-910180AD91AC}" type="slidenum">
               <a:rPr lang="it-IT" smtClean="0"/>
-              <a:t>‹N›</a:t>
+              <a:t>‹#›</a:t>
             </a:fld>
             <a:endParaRPr lang="it-IT"/>
           </a:p>
@@ -3071,7 +3071,7 @@
           <a:p>
             <a:fld id="{239BBE1B-E725-44C9-870C-303AD0F23965}" type="datetimeFigureOut">
               <a:rPr lang="it-IT" smtClean="0"/>
-              <a:t>19/01/2025</a:t>
+              <a:t>20/01/2025</a:t>
             </a:fld>
             <a:endParaRPr lang="it-IT"/>
           </a:p>
@@ -3125,7 +3125,7 @@
           <a:p>
             <a:fld id="{C6BF5060-FBC1-48D8-893D-910180AD91AC}" type="slidenum">
               <a:rPr lang="it-IT" smtClean="0"/>
-              <a:t>‹N›</a:t>
+              <a:t>‹#›</a:t>
             </a:fld>
             <a:endParaRPr lang="it-IT"/>
           </a:p>
@@ -3346,7 +3346,7 @@
           <a:p>
             <a:fld id="{239BBE1B-E725-44C9-870C-303AD0F23965}" type="datetimeFigureOut">
               <a:rPr lang="it-IT" smtClean="0"/>
-              <a:t>19/01/2025</a:t>
+              <a:t>20/01/2025</a:t>
             </a:fld>
             <a:endParaRPr lang="it-IT"/>
           </a:p>
@@ -3400,7 +3400,7 @@
           <a:p>
             <a:fld id="{C6BF5060-FBC1-48D8-893D-910180AD91AC}" type="slidenum">
               <a:rPr lang="it-IT" smtClean="0"/>
-              <a:t>‹N›</a:t>
+              <a:t>‹#›</a:t>
             </a:fld>
             <a:endParaRPr lang="it-IT"/>
           </a:p>
@@ -3611,7 +3611,7 @@
           <a:p>
             <a:fld id="{239BBE1B-E725-44C9-870C-303AD0F23965}" type="datetimeFigureOut">
               <a:rPr lang="it-IT" smtClean="0"/>
-              <a:t>19/01/2025</a:t>
+              <a:t>20/01/2025</a:t>
             </a:fld>
             <a:endParaRPr lang="it-IT"/>
           </a:p>
@@ -3665,7 +3665,7 @@
           <a:p>
             <a:fld id="{C6BF5060-FBC1-48D8-893D-910180AD91AC}" type="slidenum">
               <a:rPr lang="it-IT" smtClean="0"/>
-              <a:t>‹N›</a:t>
+              <a:t>‹#›</a:t>
             </a:fld>
             <a:endParaRPr lang="it-IT"/>
           </a:p>
@@ -4023,7 +4023,7 @@
           <a:p>
             <a:fld id="{239BBE1B-E725-44C9-870C-303AD0F23965}" type="datetimeFigureOut">
               <a:rPr lang="it-IT" smtClean="0"/>
-              <a:t>19/01/2025</a:t>
+              <a:t>20/01/2025</a:t>
             </a:fld>
             <a:endParaRPr lang="it-IT"/>
           </a:p>
@@ -4077,7 +4077,7 @@
           <a:p>
             <a:fld id="{C6BF5060-FBC1-48D8-893D-910180AD91AC}" type="slidenum">
               <a:rPr lang="it-IT" smtClean="0"/>
-              <a:t>‹N›</a:t>
+              <a:t>‹#›</a:t>
             </a:fld>
             <a:endParaRPr lang="it-IT"/>
           </a:p>
@@ -4164,7 +4164,7 @@
           <a:p>
             <a:fld id="{239BBE1B-E725-44C9-870C-303AD0F23965}" type="datetimeFigureOut">
               <a:rPr lang="it-IT" smtClean="0"/>
-              <a:t>19/01/2025</a:t>
+              <a:t>20/01/2025</a:t>
             </a:fld>
             <a:endParaRPr lang="it-IT"/>
           </a:p>
@@ -4218,7 +4218,7 @@
           <a:p>
             <a:fld id="{C6BF5060-FBC1-48D8-893D-910180AD91AC}" type="slidenum">
               <a:rPr lang="it-IT" smtClean="0"/>
-              <a:t>‹N›</a:t>
+              <a:t>‹#›</a:t>
             </a:fld>
             <a:endParaRPr lang="it-IT"/>
           </a:p>
@@ -4277,7 +4277,7 @@
           <a:p>
             <a:fld id="{239BBE1B-E725-44C9-870C-303AD0F23965}" type="datetimeFigureOut">
               <a:rPr lang="it-IT" smtClean="0"/>
-              <a:t>19/01/2025</a:t>
+              <a:t>20/01/2025</a:t>
             </a:fld>
             <a:endParaRPr lang="it-IT"/>
           </a:p>
@@ -4331,7 +4331,7 @@
           <a:p>
             <a:fld id="{C6BF5060-FBC1-48D8-893D-910180AD91AC}" type="slidenum">
               <a:rPr lang="it-IT" smtClean="0"/>
-              <a:t>‹N›</a:t>
+              <a:t>‹#›</a:t>
             </a:fld>
             <a:endParaRPr lang="it-IT"/>
           </a:p>
@@ -4588,7 +4588,7 @@
           <a:p>
             <a:fld id="{239BBE1B-E725-44C9-870C-303AD0F23965}" type="datetimeFigureOut">
               <a:rPr lang="it-IT" smtClean="0"/>
-              <a:t>19/01/2025</a:t>
+              <a:t>20/01/2025</a:t>
             </a:fld>
             <a:endParaRPr lang="it-IT"/>
           </a:p>
@@ -4642,7 +4642,7 @@
           <a:p>
             <a:fld id="{C6BF5060-FBC1-48D8-893D-910180AD91AC}" type="slidenum">
               <a:rPr lang="it-IT" smtClean="0"/>
-              <a:t>‹N›</a:t>
+              <a:t>‹#›</a:t>
             </a:fld>
             <a:endParaRPr lang="it-IT"/>
           </a:p>
@@ -4876,7 +4876,7 @@
           <a:p>
             <a:fld id="{239BBE1B-E725-44C9-870C-303AD0F23965}" type="datetimeFigureOut">
               <a:rPr lang="it-IT" smtClean="0"/>
-              <a:t>19/01/2025</a:t>
+              <a:t>20/01/2025</a:t>
             </a:fld>
             <a:endParaRPr lang="it-IT"/>
           </a:p>
@@ -4930,7 +4930,7 @@
           <a:p>
             <a:fld id="{C6BF5060-FBC1-48D8-893D-910180AD91AC}" type="slidenum">
               <a:rPr lang="it-IT" smtClean="0"/>
-              <a:t>‹N›</a:t>
+              <a:t>‹#›</a:t>
             </a:fld>
             <a:endParaRPr lang="it-IT"/>
           </a:p>
@@ -5117,7 +5117,7 @@
           <a:p>
             <a:fld id="{239BBE1B-E725-44C9-870C-303AD0F23965}" type="datetimeFigureOut">
               <a:rPr lang="it-IT" smtClean="0"/>
-              <a:t>19/01/2025</a:t>
+              <a:t>20/01/2025</a:t>
             </a:fld>
             <a:endParaRPr lang="it-IT"/>
           </a:p>
@@ -5207,7 +5207,7 @@
           <a:p>
             <a:fld id="{C6BF5060-FBC1-48D8-893D-910180AD91AC}" type="slidenum">
               <a:rPr lang="it-IT" smtClean="0"/>
-              <a:t>‹N›</a:t>
+              <a:t>‹#›</a:t>
             </a:fld>
             <a:endParaRPr lang="it-IT"/>
           </a:p>
@@ -8709,36 +8709,6 @@
           <a:chExt cx="0" cy="0"/>
         </a:xfrm>
       </p:grpSpPr>
-      <p:pic>
-        <p:nvPicPr>
-          <p:cNvPr id="6" name="Immagine 5">
-            <a:extLst>
-              <a:ext uri="{FF2B5EF4-FFF2-40B4-BE49-F238E27FC236}">
-                <a16:creationId xmlns:a16="http://schemas.microsoft.com/office/drawing/2014/main" id="{9F21EFB6-4C7B-EFFE-2D72-F2DAAC3E5CBE}"/>
-              </a:ext>
-            </a:extLst>
-          </p:cNvPr>
-          <p:cNvPicPr>
-            <a:picLocks noChangeAspect="1"/>
-          </p:cNvPicPr>
-          <p:nvPr/>
-        </p:nvPicPr>
-        <p:blipFill>
-          <a:blip r:embed="rId2"/>
-          <a:stretch>
-            <a:fillRect/>
-          </a:stretch>
-        </p:blipFill>
-        <p:spPr>
-          <a:xfrm>
-            <a:off x="180855" y="1051060"/>
-            <a:ext cx="11830289" cy="5806940"/>
-          </a:xfrm>
-          <a:prstGeom prst="rect">
-            <a:avLst/>
-          </a:prstGeom>
-        </p:spPr>
-      </p:pic>
       <p:sp>
         <p:nvSpPr>
           <p:cNvPr id="5" name="CasellaDiTesto 4">
@@ -8782,6 +8752,42 @@
           </a:p>
         </p:txBody>
       </p:sp>
+      <p:pic>
+        <p:nvPicPr>
+          <p:cNvPr id="3" name="Picture 2" descr="A group of ovals with different colored text&#10;&#10;Description automatically generated">
+            <a:extLst>
+              <a:ext uri="{FF2B5EF4-FFF2-40B4-BE49-F238E27FC236}">
+                <a16:creationId xmlns:a16="http://schemas.microsoft.com/office/drawing/2014/main" id="{6BBDC649-5F43-4EA4-8827-F9E7F9804368}"/>
+              </a:ext>
+            </a:extLst>
+          </p:cNvPr>
+          <p:cNvPicPr>
+            <a:picLocks noChangeAspect="1"/>
+          </p:cNvPicPr>
+          <p:nvPr/>
+        </p:nvPicPr>
+        <p:blipFill>
+          <a:blip r:embed="rId2">
+            <a:extLst>
+              <a:ext uri="{28A0092B-C50C-407E-A947-70E740481C1C}">
+                <a14:useLocalDpi xmlns:a14="http://schemas.microsoft.com/office/drawing/2010/main" val="0"/>
+              </a:ext>
+            </a:extLst>
+          </a:blip>
+          <a:stretch>
+            <a:fillRect/>
+          </a:stretch>
+        </p:blipFill>
+        <p:spPr>
+          <a:xfrm>
+            <a:off x="63795" y="936141"/>
+            <a:ext cx="12064409" cy="5921859"/>
+          </a:xfrm>
+          <a:prstGeom prst="rect">
+            <a:avLst/>
+          </a:prstGeom>
+        </p:spPr>
+      </p:pic>
     </p:spTree>
     <p:extLst>
       <p:ext uri="{BB962C8B-B14F-4D97-AF65-F5344CB8AC3E}">
@@ -12881,20 +12887,20 @@
 </file>
 
 <file path=customXml/item1.xml><?xml version="1.0" encoding="utf-8"?>
+<p:properties xmlns:p="http://schemas.microsoft.com/office/2006/metadata/properties" xmlns:xsi="http://www.w3.org/2001/XMLSchema-instance" xmlns:pc="http://schemas.microsoft.com/office/infopath/2007/PartnerControls">
+  <documentManagement>
+    <_activity xmlns="ba7113c0-105d-4cd3-8c38-504937944727" xsi:nil="true"/>
+  </documentManagement>
+</p:properties>
+</file>
+
+<file path=customXml/item2.xml><?xml version="1.0" encoding="utf-8"?>
 <?mso-contentType ?>
 <FormTemplates xmlns="http://schemas.microsoft.com/sharepoint/v3/contenttype/forms">
   <Display>DocumentLibraryForm</Display>
   <Edit>DocumentLibraryForm</Edit>
   <New>DocumentLibraryForm</New>
 </FormTemplates>
-</file>
-
-<file path=customXml/item2.xml><?xml version="1.0" encoding="utf-8"?>
-<p:properties xmlns:p="http://schemas.microsoft.com/office/2006/metadata/properties" xmlns:xsi="http://www.w3.org/2001/XMLSchema-instance" xmlns:pc="http://schemas.microsoft.com/office/infopath/2007/PartnerControls">
-  <documentManagement>
-    <_activity xmlns="ba7113c0-105d-4cd3-8c38-504937944727" xsi:nil="true"/>
-  </documentManagement>
-</p:properties>
 </file>
 
 <file path=customXml/item3.xml><?xml version="1.0" encoding="utf-8"?>
@@ -13078,14 +13084,6 @@
 </file>
 
 <file path=customXml/itemProps1.xml><?xml version="1.0" encoding="utf-8"?>
-<ds:datastoreItem xmlns:ds="http://schemas.openxmlformats.org/officeDocument/2006/customXml" ds:itemID="{DA5A715E-03C1-4D64-B24A-4EF8F47177E2}">
-  <ds:schemaRefs>
-    <ds:schemaRef ds:uri="http://schemas.microsoft.com/sharepoint/v3/contenttype/forms"/>
-  </ds:schemaRefs>
-</ds:datastoreItem>
-</file>
-
-<file path=customXml/itemProps2.xml><?xml version="1.0" encoding="utf-8"?>
 <ds:datastoreItem xmlns:ds="http://schemas.openxmlformats.org/officeDocument/2006/customXml" ds:itemID="{07C4E190-DFA1-446F-9AFB-7E6CD761F275}">
   <ds:schemaRefs>
     <ds:schemaRef ds:uri="http://schemas.microsoft.com/office/2006/documentManagement/types"/>
@@ -13097,6 +13095,14 @@
     <ds:schemaRef ds:uri="http://www.w3.org/XML/1998/namespace"/>
     <ds:schemaRef ds:uri="http://schemas.microsoft.com/office/2006/metadata/properties"/>
     <ds:schemaRef ds:uri="http://purl.org/dc/dcmitype/"/>
+  </ds:schemaRefs>
+</ds:datastoreItem>
+</file>
+
+<file path=customXml/itemProps2.xml><?xml version="1.0" encoding="utf-8"?>
+<ds:datastoreItem xmlns:ds="http://schemas.openxmlformats.org/officeDocument/2006/customXml" ds:itemID="{DA5A715E-03C1-4D64-B24A-4EF8F47177E2}">
+  <ds:schemaRefs>
+    <ds:schemaRef ds:uri="http://schemas.microsoft.com/sharepoint/v3/contenttype/forms"/>
   </ds:schemaRefs>
 </ds:datastoreItem>
 </file>
